--- a/3.wednesday/signals/signals-presentation.pptx
+++ b/3.wednesday/signals/signals-presentation.pptx
@@ -4562,7 +4562,7 @@
         <a:buSzPct val="100000"/>
         <a:buFontTx/>
         <a:buBlip>
-          <a:blip r:embed="rId10"/>
+          <a:blip r:embed="rId9"/>
         </a:buBlip>
         <a:defRPr sz="2000" kern="1200">
           <a:solidFill>
